--- a/PPTs/Lecture 10-2-3 trees B trees Exercises ANS.pptx
+++ b/PPTs/Lecture 10-2-3 trees B trees Exercises ANS.pptx
@@ -12532,11 +12532,15 @@
           <a:p>
             <a:r>
               <a:rPr lang="en-GB" dirty="0"/>
-              <a:t>For the exam, </a:t>
+              <a:t>For the </a:t>
             </a:r>
             <a:r>
               <a:rPr lang="en-GB"/>
-              <a:t>uou</a:t>
+              <a:t>exam, </a:t>
+            </a:r>
+            <a:r>
+              <a:rPr lang="en-US" altLang="zh-CN"/>
+              <a:t>you</a:t>
             </a:r>
             <a:r>
               <a:rPr lang="en-GB" dirty="0"/>
